--- a/Presentation/Presentation.pptx
+++ b/Presentation/Presentation.pptx
@@ -11,8 +11,12 @@
     <p:sldId id="261" r:id="rId5"/>
     <p:sldId id="257" r:id="rId6"/>
     <p:sldId id="258" r:id="rId7"/>
-    <p:sldId id="262" r:id="rId8"/>
-    <p:sldId id="263" r:id="rId9"/>
+    <p:sldId id="264" r:id="rId8"/>
+    <p:sldId id="262" r:id="rId9"/>
+    <p:sldId id="263" r:id="rId10"/>
+    <p:sldId id="265" r:id="rId11"/>
+    <p:sldId id="266" r:id="rId12"/>
+    <p:sldId id="267" r:id="rId13"/>
   </p:sldIdLst>
   <p:sldSz cx="12192000" cy="6858000"/>
   <p:notesSz cx="6858000" cy="9144000"/>
@@ -3399,6 +3403,416 @@
 </p:sld>
 </file>
 
+<file path=ppt/slides/slide10.xml><?xml version="1.0" encoding="utf-8"?>
+<p:sld xmlns:a="http://schemas.openxmlformats.org/drawingml/2006/main" xmlns:r="http://schemas.openxmlformats.org/officeDocument/2006/relationships" xmlns:p="http://schemas.openxmlformats.org/presentationml/2006/main">
+  <p:cSld>
+    <p:spTree>
+      <p:nvGrpSpPr>
+        <p:cNvPr id="1" name=""/>
+        <p:cNvGrpSpPr/>
+        <p:nvPr/>
+      </p:nvGrpSpPr>
+      <p:grpSpPr>
+        <a:xfrm>
+          <a:off x="0" y="0"/>
+          <a:ext cx="0" cy="0"/>
+          <a:chOff x="0" y="0"/>
+          <a:chExt cx="0" cy="0"/>
+        </a:xfrm>
+      </p:grpSpPr>
+      <p:sp>
+        <p:nvSpPr>
+          <p:cNvPr id="2" name="Title 1">
+            <a:extLst>
+              <a:ext uri="{FF2B5EF4-FFF2-40B4-BE49-F238E27FC236}">
+                <a16:creationId xmlns:a16="http://schemas.microsoft.com/office/drawing/2014/main" id="{48F074EB-A032-7549-82C2-AF20192DFC03}"/>
+              </a:ext>
+            </a:extLst>
+          </p:cNvPr>
+          <p:cNvSpPr>
+            <a:spLocks noGrp="1"/>
+          </p:cNvSpPr>
+          <p:nvPr>
+            <p:ph type="title"/>
+          </p:nvPr>
+        </p:nvSpPr>
+        <p:spPr/>
+        <p:txBody>
+          <a:bodyPr/>
+          <a:lstStyle/>
+          <a:p>
+            <a:r>
+              <a:rPr lang="en-GB" dirty="0"/>
+              <a:t>Version control using Git</a:t>
+            </a:r>
+          </a:p>
+        </p:txBody>
+      </p:sp>
+      <p:sp>
+        <p:nvSpPr>
+          <p:cNvPr id="3" name="Content Placeholder 2">
+            <a:extLst>
+              <a:ext uri="{FF2B5EF4-FFF2-40B4-BE49-F238E27FC236}">
+                <a16:creationId xmlns:a16="http://schemas.microsoft.com/office/drawing/2014/main" id="{4A1171B1-866D-9747-BCBD-0D5377A68107}"/>
+              </a:ext>
+            </a:extLst>
+          </p:cNvPr>
+          <p:cNvSpPr>
+            <a:spLocks noGrp="1"/>
+          </p:cNvSpPr>
+          <p:nvPr>
+            <p:ph idx="1"/>
+          </p:nvPr>
+        </p:nvSpPr>
+        <p:spPr/>
+        <p:txBody>
+          <a:bodyPr/>
+          <a:lstStyle/>
+          <a:p>
+            <a:r>
+              <a:rPr lang="en-GB" dirty="0"/>
+              <a:t>Version control software allows us to have multiple versions of a project (</a:t>
+            </a:r>
+            <a:r>
+              <a:rPr lang="en-GB" dirty="0" err="1"/>
+              <a:t>eg</a:t>
+            </a:r>
+            <a:r>
+              <a:rPr lang="en-GB" dirty="0"/>
+              <a:t> “Stable”, “Development”)</a:t>
+            </a:r>
+          </a:p>
+          <a:p>
+            <a:endParaRPr lang="en-GB" dirty="0"/>
+          </a:p>
+          <a:p>
+            <a:r>
+              <a:rPr lang="en-GB" dirty="0"/>
+              <a:t>It allows multiple users to cooperate efficiently on software development (or anything else using non-binary formats)</a:t>
+            </a:r>
+          </a:p>
+          <a:p>
+            <a:endParaRPr lang="en-GB" dirty="0"/>
+          </a:p>
+          <a:p>
+            <a:r>
+              <a:rPr lang="en-GB" dirty="0"/>
+              <a:t>It makes it easier to go back (revert) if we make a mistake</a:t>
+            </a:r>
+          </a:p>
+        </p:txBody>
+      </p:sp>
+    </p:spTree>
+    <p:extLst>
+      <p:ext uri="{BB962C8B-B14F-4D97-AF65-F5344CB8AC3E}">
+        <p14:creationId xmlns:p14="http://schemas.microsoft.com/office/powerpoint/2010/main" val="3383797965"/>
+      </p:ext>
+    </p:extLst>
+  </p:cSld>
+  <p:clrMapOvr>
+    <a:masterClrMapping/>
+  </p:clrMapOvr>
+</p:sld>
+</file>
+
+<file path=ppt/slides/slide11.xml><?xml version="1.0" encoding="utf-8"?>
+<p:sld xmlns:a="http://schemas.openxmlformats.org/drawingml/2006/main" xmlns:r="http://schemas.openxmlformats.org/officeDocument/2006/relationships" xmlns:p="http://schemas.openxmlformats.org/presentationml/2006/main">
+  <p:cSld>
+    <p:spTree>
+      <p:nvGrpSpPr>
+        <p:cNvPr id="1" name=""/>
+        <p:cNvGrpSpPr/>
+        <p:nvPr/>
+      </p:nvGrpSpPr>
+      <p:grpSpPr>
+        <a:xfrm>
+          <a:off x="0" y="0"/>
+          <a:ext cx="0" cy="0"/>
+          <a:chOff x="0" y="0"/>
+          <a:chExt cx="0" cy="0"/>
+        </a:xfrm>
+      </p:grpSpPr>
+      <p:sp>
+        <p:nvSpPr>
+          <p:cNvPr id="2" name="Title 1">
+            <a:extLst>
+              <a:ext uri="{FF2B5EF4-FFF2-40B4-BE49-F238E27FC236}">
+                <a16:creationId xmlns:a16="http://schemas.microsoft.com/office/drawing/2014/main" id="{5FF33FBC-8EEA-EE4E-BFC0-9991E8F5B7B3}"/>
+              </a:ext>
+            </a:extLst>
+          </p:cNvPr>
+          <p:cNvSpPr>
+            <a:spLocks noGrp="1"/>
+          </p:cNvSpPr>
+          <p:nvPr>
+            <p:ph type="title"/>
+          </p:nvPr>
+        </p:nvSpPr>
+        <p:spPr/>
+        <p:txBody>
+          <a:bodyPr/>
+          <a:lstStyle/>
+          <a:p>
+            <a:r>
+              <a:rPr lang="en-GB" dirty="0"/>
+              <a:t>Git</a:t>
+            </a:r>
+          </a:p>
+        </p:txBody>
+      </p:sp>
+      <p:sp>
+        <p:nvSpPr>
+          <p:cNvPr id="3" name="Content Placeholder 2">
+            <a:extLst>
+              <a:ext uri="{FF2B5EF4-FFF2-40B4-BE49-F238E27FC236}">
+                <a16:creationId xmlns:a16="http://schemas.microsoft.com/office/drawing/2014/main" id="{716F0E02-29FA-4746-A26C-D7B431ECAF8A}"/>
+              </a:ext>
+            </a:extLst>
+          </p:cNvPr>
+          <p:cNvSpPr>
+            <a:spLocks noGrp="1"/>
+          </p:cNvSpPr>
+          <p:nvPr>
+            <p:ph idx="1"/>
+          </p:nvPr>
+        </p:nvSpPr>
+        <p:spPr/>
+        <p:txBody>
+          <a:bodyPr/>
+          <a:lstStyle/>
+          <a:p>
+            <a:r>
+              <a:rPr lang="en-GB" dirty="0"/>
+              <a:t>Creating a repository from the current directory:</a:t>
+            </a:r>
+          </a:p>
+          <a:p>
+            <a:pPr marL="0" indent="0">
+              <a:buNone/>
+            </a:pPr>
+            <a:r>
+              <a:rPr lang="en-GB" dirty="0"/>
+              <a:t>		git </a:t>
+            </a:r>
+            <a:r>
+              <a:rPr lang="en-GB" dirty="0" err="1"/>
+              <a:t>init</a:t>
+            </a:r>
+            <a:endParaRPr lang="en-GB" dirty="0"/>
+          </a:p>
+          <a:p>
+            <a:pPr marL="0" indent="0">
+              <a:buNone/>
+            </a:pPr>
+            <a:endParaRPr lang="en-GB" dirty="0"/>
+          </a:p>
+          <a:p>
+            <a:r>
+              <a:rPr lang="en-GB" dirty="0"/>
+              <a:t>To add all the files in the current directory:</a:t>
+            </a:r>
+          </a:p>
+          <a:p>
+            <a:pPr marL="0" indent="0">
+              <a:buNone/>
+            </a:pPr>
+            <a:r>
+              <a:rPr lang="en-GB" dirty="0"/>
+              <a:t>		git add .</a:t>
+            </a:r>
+          </a:p>
+          <a:p>
+            <a:pPr marL="0" indent="0">
+              <a:buNone/>
+            </a:pPr>
+            <a:endParaRPr lang="en-GB" dirty="0"/>
+          </a:p>
+          <a:p>
+            <a:r>
+              <a:rPr lang="en-GB" dirty="0"/>
+              <a:t>To commit the changes to the current branch:</a:t>
+            </a:r>
+          </a:p>
+          <a:p>
+            <a:pPr marL="0" indent="0">
+              <a:buNone/>
+            </a:pPr>
+            <a:r>
+              <a:rPr lang="en-GB" dirty="0"/>
+              <a:t>		git commit –m “Some useful comment”</a:t>
+            </a:r>
+          </a:p>
+          <a:p>
+            <a:pPr marL="0" indent="0">
+              <a:buNone/>
+            </a:pPr>
+            <a:endParaRPr lang="en-GB" dirty="0"/>
+          </a:p>
+          <a:p>
+            <a:pPr marL="0" indent="0">
+              <a:buNone/>
+            </a:pPr>
+            <a:endParaRPr lang="en-GB" dirty="0"/>
+          </a:p>
+          <a:p>
+            <a:pPr marL="0" indent="0">
+              <a:buNone/>
+            </a:pPr>
+            <a:endParaRPr lang="en-GB" dirty="0"/>
+          </a:p>
+        </p:txBody>
+      </p:sp>
+    </p:spTree>
+    <p:extLst>
+      <p:ext uri="{BB962C8B-B14F-4D97-AF65-F5344CB8AC3E}">
+        <p14:creationId xmlns:p14="http://schemas.microsoft.com/office/powerpoint/2010/main" val="498577712"/>
+      </p:ext>
+    </p:extLst>
+  </p:cSld>
+  <p:clrMapOvr>
+    <a:masterClrMapping/>
+  </p:clrMapOvr>
+</p:sld>
+</file>
+
+<file path=ppt/slides/slide12.xml><?xml version="1.0" encoding="utf-8"?>
+<p:sld xmlns:a="http://schemas.openxmlformats.org/drawingml/2006/main" xmlns:r="http://schemas.openxmlformats.org/officeDocument/2006/relationships" xmlns:p="http://schemas.openxmlformats.org/presentationml/2006/main">
+  <p:cSld>
+    <p:spTree>
+      <p:nvGrpSpPr>
+        <p:cNvPr id="1" name=""/>
+        <p:cNvGrpSpPr/>
+        <p:nvPr/>
+      </p:nvGrpSpPr>
+      <p:grpSpPr>
+        <a:xfrm>
+          <a:off x="0" y="0"/>
+          <a:ext cx="0" cy="0"/>
+          <a:chOff x="0" y="0"/>
+          <a:chExt cx="0" cy="0"/>
+        </a:xfrm>
+      </p:grpSpPr>
+      <p:sp>
+        <p:nvSpPr>
+          <p:cNvPr id="2" name="Title 1">
+            <a:extLst>
+              <a:ext uri="{FF2B5EF4-FFF2-40B4-BE49-F238E27FC236}">
+                <a16:creationId xmlns:a16="http://schemas.microsoft.com/office/drawing/2014/main" id="{E9013B81-1350-A947-AC4B-A303E66DFF43}"/>
+              </a:ext>
+            </a:extLst>
+          </p:cNvPr>
+          <p:cNvSpPr>
+            <a:spLocks noGrp="1"/>
+          </p:cNvSpPr>
+          <p:nvPr>
+            <p:ph type="title"/>
+          </p:nvPr>
+        </p:nvSpPr>
+        <p:spPr/>
+        <p:txBody>
+          <a:bodyPr/>
+          <a:lstStyle/>
+          <a:p>
+            <a:r>
+              <a:rPr lang="en-GB" dirty="0"/>
+              <a:t>Git</a:t>
+            </a:r>
+          </a:p>
+        </p:txBody>
+      </p:sp>
+      <p:sp>
+        <p:nvSpPr>
+          <p:cNvPr id="3" name="Content Placeholder 2">
+            <a:extLst>
+              <a:ext uri="{FF2B5EF4-FFF2-40B4-BE49-F238E27FC236}">
+                <a16:creationId xmlns:a16="http://schemas.microsoft.com/office/drawing/2014/main" id="{ED1CC597-2DF6-2F46-89E9-AC5900E6C04F}"/>
+              </a:ext>
+            </a:extLst>
+          </p:cNvPr>
+          <p:cNvSpPr>
+            <a:spLocks noGrp="1"/>
+          </p:cNvSpPr>
+          <p:nvPr>
+            <p:ph idx="1"/>
+          </p:nvPr>
+        </p:nvSpPr>
+        <p:spPr/>
+        <p:txBody>
+          <a:bodyPr/>
+          <a:lstStyle/>
+          <a:p>
+            <a:r>
+              <a:rPr lang="en-GB" dirty="0"/>
+              <a:t>Copy an existing repository:</a:t>
+            </a:r>
+          </a:p>
+          <a:p>
+            <a:pPr marL="457200" lvl="1" indent="0">
+              <a:buNone/>
+            </a:pPr>
+            <a:r>
+              <a:rPr lang="en-GB" dirty="0"/>
+              <a:t>	git clone http://address/name</a:t>
+            </a:r>
+            <a:endParaRPr lang="en-GB" i="1" dirty="0"/>
+          </a:p>
+          <a:p>
+            <a:pPr marL="457200" lvl="1" indent="0">
+              <a:buNone/>
+            </a:pPr>
+            <a:endParaRPr lang="en-GB" dirty="0"/>
+          </a:p>
+          <a:p>
+            <a:r>
+              <a:rPr lang="en-GB" dirty="0"/>
+              <a:t>Pull in the latest remote changes:</a:t>
+            </a:r>
+          </a:p>
+          <a:p>
+            <a:pPr marL="0" indent="0">
+              <a:buNone/>
+            </a:pPr>
+            <a:r>
+              <a:rPr lang="en-GB" dirty="0"/>
+              <a:t>	git pull</a:t>
+            </a:r>
+          </a:p>
+          <a:p>
+            <a:pPr marL="0" indent="0">
+              <a:buNone/>
+            </a:pPr>
+            <a:endParaRPr lang="en-GB" dirty="0"/>
+          </a:p>
+          <a:p>
+            <a:r>
+              <a:rPr lang="en-GB" dirty="0"/>
+              <a:t>Push your changes to the remote repository:</a:t>
+            </a:r>
+          </a:p>
+          <a:p>
+            <a:pPr marL="0" indent="0">
+              <a:buNone/>
+            </a:pPr>
+            <a:r>
+              <a:rPr lang="en-GB" dirty="0"/>
+              <a:t>	git push</a:t>
+            </a:r>
+          </a:p>
+        </p:txBody>
+      </p:sp>
+    </p:spTree>
+    <p:extLst>
+      <p:ext uri="{BB962C8B-B14F-4D97-AF65-F5344CB8AC3E}">
+        <p14:creationId xmlns:p14="http://schemas.microsoft.com/office/powerpoint/2010/main" val="3972325936"/>
+      </p:ext>
+    </p:extLst>
+  </p:cSld>
+  <p:clrMapOvr>
+    <a:masterClrMapping/>
+  </p:clrMapOvr>
+</p:sld>
+</file>
+
 <file path=ppt/slides/slide2.xml><?xml version="1.0" encoding="utf-8"?>
 <p:sld xmlns:a="http://schemas.openxmlformats.org/drawingml/2006/main" xmlns:r="http://schemas.openxmlformats.org/officeDocument/2006/relationships" xmlns:p="http://schemas.openxmlformats.org/presentationml/2006/main">
   <p:cSld>
@@ -3584,31 +3998,6 @@
       </p:grpSpPr>
       <p:sp>
         <p:nvSpPr>
-          <p:cNvPr id="2" name="Title 1">
-            <a:extLst>
-              <a:ext uri="{FF2B5EF4-FFF2-40B4-BE49-F238E27FC236}">
-                <a16:creationId xmlns:a16="http://schemas.microsoft.com/office/drawing/2014/main" id="{037F0378-180E-5740-9780-4A0419258A22}"/>
-              </a:ext>
-            </a:extLst>
-          </p:cNvPr>
-          <p:cNvSpPr>
-            <a:spLocks noGrp="1"/>
-          </p:cNvSpPr>
-          <p:nvPr>
-            <p:ph type="title"/>
-          </p:nvPr>
-        </p:nvSpPr>
-        <p:spPr/>
-        <p:txBody>
-          <a:bodyPr/>
-          <a:lstStyle/>
-          <a:p>
-            <a:endParaRPr lang="en-GB"/>
-          </a:p>
-        </p:txBody>
-      </p:sp>
-      <p:sp>
-        <p:nvSpPr>
           <p:cNvPr id="3" name="Content Placeholder 2">
             <a:extLst>
               <a:ext uri="{FF2B5EF4-FFF2-40B4-BE49-F238E27FC236}">
@@ -3623,7 +4012,12 @@
             <p:ph idx="1"/>
           </p:nvPr>
         </p:nvSpPr>
-        <p:spPr/>
+        <p:spPr>
+          <a:xfrm>
+            <a:off x="838200" y="495946"/>
+            <a:ext cx="10515600" cy="5681017"/>
+          </a:xfrm>
+        </p:spPr>
         <p:txBody>
           <a:bodyPr/>
           <a:lstStyle/>
@@ -3643,6 +4037,22 @@
             </a:r>
           </a:p>
           <a:p>
+            <a:endParaRPr lang="en-GB" dirty="0"/>
+          </a:p>
+          <a:p>
+            <a:pPr lvl="1"/>
+            <a:r>
+              <a:rPr lang="en-GB" dirty="0">
+                <a:hlinkClick r:id="rId2"/>
+              </a:rPr>
+              <a:t>https://software-carpentry.org</a:t>
+            </a:r>
+            <a:endParaRPr lang="en-GB" dirty="0"/>
+          </a:p>
+          <a:p>
+            <a:pPr marL="0" indent="0">
+              <a:buNone/>
+            </a:pPr>
             <a:endParaRPr lang="en-GB" dirty="0"/>
           </a:p>
           <a:p>
@@ -3884,7 +4294,12 @@
             <p:ph type="title"/>
           </p:nvPr>
         </p:nvSpPr>
-        <p:spPr/>
+        <p:spPr>
+          <a:xfrm>
+            <a:off x="838200" y="365125"/>
+            <a:ext cx="10515600" cy="1325563"/>
+          </a:xfrm>
+        </p:spPr>
         <p:txBody>
           <a:bodyPr/>
           <a:lstStyle/>
@@ -3909,32 +4324,30 @@
             <p:ph idx="1"/>
           </p:nvPr>
         </p:nvSpPr>
-        <p:spPr/>
-        <p:txBody>
-          <a:bodyPr/>
-          <a:lstStyle/>
-          <a:p>
-            <a:r>
-              <a:rPr lang="en-GB" dirty="0"/>
+        <p:spPr>
+          <a:xfrm>
+            <a:off x="838200" y="1825625"/>
+            <a:ext cx="10515600" cy="4351338"/>
+          </a:xfrm>
+        </p:spPr>
+        <p:txBody>
+          <a:bodyPr/>
+          <a:lstStyle/>
+          <a:p>
+            <a:r>
+              <a:rPr lang="en-GB"/>
               <a:t>Because we don’t have two days, this is only going to be a quick introduction</a:t>
             </a:r>
           </a:p>
           <a:p>
+            <a:endParaRPr lang="en-GB"/>
+          </a:p>
+          <a:p>
+            <a:r>
+              <a:rPr lang="en-GB"/>
+              <a:t>There are a number of good books that I can recommend, but the best introduction I’ve found is ”Effective Computation in Physics” by Anthony Scopatz and Kathryn D Huff</a:t>
+            </a:r>
             <a:endParaRPr lang="en-GB" dirty="0"/>
-          </a:p>
-          <a:p>
-            <a:r>
-              <a:rPr lang="en-GB" dirty="0"/>
-              <a:t>There are a number of good books that I can recommend, but the best introduction I’ve found is ”Effective Computation in Physics” by Anthony </a:t>
-            </a:r>
-            <a:r>
-              <a:rPr lang="en-GB" dirty="0" err="1"/>
-              <a:t>Scopatz</a:t>
-            </a:r>
-            <a:r>
-              <a:rPr lang="en-GB" dirty="0"/>
-              <a:t> and Kathryn D Huff</a:t>
-            </a:r>
           </a:p>
         </p:txBody>
       </p:sp>
@@ -3954,6 +4367,14 @@
 <file path=ppt/slides/slide7.xml><?xml version="1.0" encoding="utf-8"?>
 <p:sld xmlns:a="http://schemas.openxmlformats.org/drawingml/2006/main" xmlns:r="http://schemas.openxmlformats.org/officeDocument/2006/relationships" xmlns:p="http://schemas.openxmlformats.org/presentationml/2006/main">
   <p:cSld>
+    <p:bg>
+      <p:bgPr>
+        <a:solidFill>
+          <a:schemeClr val="bg1"/>
+        </a:solidFill>
+        <a:effectLst/>
+      </p:bgPr>
+    </p:bg>
     <p:spTree>
       <p:nvGrpSpPr>
         <p:cNvPr id="1" name=""/>
@@ -3968,6 +4389,68 @@
           <a:chExt cx="0" cy="0"/>
         </a:xfrm>
       </p:grpSpPr>
+      <p:pic>
+        <p:nvPicPr>
+          <p:cNvPr id="23" name="Content Placeholder 4" descr="A picture containing book, text&#10;&#10;Description automatically generated">
+            <a:extLst>
+              <a:ext uri="{FF2B5EF4-FFF2-40B4-BE49-F238E27FC236}">
+                <a16:creationId xmlns:a16="http://schemas.microsoft.com/office/drawing/2014/main" id="{71AC938A-55A1-984D-A369-37E0B7298EDB}"/>
+              </a:ext>
+            </a:extLst>
+          </p:cNvPr>
+          <p:cNvPicPr>
+            <a:picLocks noGrp="1" noChangeAspect="1"/>
+          </p:cNvPicPr>
+          <p:nvPr>
+            <p:ph idx="1"/>
+          </p:nvPr>
+        </p:nvPicPr>
+        <p:blipFill>
+          <a:blip r:embed="rId2"/>
+          <a:stretch>
+            <a:fillRect/>
+          </a:stretch>
+        </p:blipFill>
+        <p:spPr>
+          <a:xfrm>
+            <a:off x="3972031" y="643466"/>
+            <a:ext cx="4247938" cy="5571067"/>
+          </a:xfrm>
+          <a:prstGeom prst="rect">
+            <a:avLst/>
+          </a:prstGeom>
+        </p:spPr>
+      </p:pic>
+    </p:spTree>
+    <p:extLst>
+      <p:ext uri="{BB962C8B-B14F-4D97-AF65-F5344CB8AC3E}">
+        <p14:creationId xmlns:p14="http://schemas.microsoft.com/office/powerpoint/2010/main" val="3640875327"/>
+      </p:ext>
+    </p:extLst>
+  </p:cSld>
+  <p:clrMapOvr>
+    <a:masterClrMapping/>
+  </p:clrMapOvr>
+</p:sld>
+</file>
+
+<file path=ppt/slides/slide8.xml><?xml version="1.0" encoding="utf-8"?>
+<p:sld xmlns:a="http://schemas.openxmlformats.org/drawingml/2006/main" xmlns:r="http://schemas.openxmlformats.org/officeDocument/2006/relationships" xmlns:p="http://schemas.openxmlformats.org/presentationml/2006/main">
+  <p:cSld>
+    <p:spTree>
+      <p:nvGrpSpPr>
+        <p:cNvPr id="1" name=""/>
+        <p:cNvGrpSpPr/>
+        <p:nvPr/>
+      </p:nvGrpSpPr>
+      <p:grpSpPr>
+        <a:xfrm>
+          <a:off x="0" y="0"/>
+          <a:ext cx="0" cy="0"/>
+          <a:chOff x="0" y="0"/>
+          <a:chExt cx="0" cy="0"/>
+        </a:xfrm>
+      </p:grpSpPr>
       <p:sp>
         <p:nvSpPr>
           <p:cNvPr id="2" name="Title 1">
@@ -4084,7 +4567,7 @@
 </p:sld>
 </file>
 
-<file path=ppt/slides/slide8.xml><?xml version="1.0" encoding="utf-8"?>
+<file path=ppt/slides/slide9.xml><?xml version="1.0" encoding="utf-8"?>
 <p:sld xmlns:a="http://schemas.openxmlformats.org/drawingml/2006/main" xmlns:r="http://schemas.openxmlformats.org/officeDocument/2006/relationships" xmlns:p="http://schemas.openxmlformats.org/presentationml/2006/main">
   <p:cSld>
     <p:spTree>
